--- a/java/docs/01-java-基础.pptx
+++ b/java/docs/01-java-基础.pptx
@@ -6,7 +6,7 @@
     <p:sldMasterId id="2147483660" r:id="rId2"/>
   </p:sldMasterIdLst>
   <p:notesMasterIdLst>
-    <p:notesMasterId r:id="rId37"/>
+    <p:notesMasterId r:id="rId38"/>
   </p:notesMasterIdLst>
   <p:sldIdLst>
     <p:sldId id="256" r:id="rId3"/>
@@ -42,7 +42,8 @@
     <p:sldId id="291" r:id="rId33"/>
     <p:sldId id="292" r:id="rId34"/>
     <p:sldId id="293" r:id="rId35"/>
-    <p:sldId id="261" r:id="rId36"/>
+    <p:sldId id="296" r:id="rId36"/>
+    <p:sldId id="261" r:id="rId37"/>
   </p:sldIdLst>
   <p:sldSz cx="9144000" cy="6858000" type="screen4x3"/>
   <p:notesSz cx="6858000" cy="9144000"/>
@@ -226,7 +227,7 @@
           <a:p>
             <a:fld id="{D6CB015B-B7FF-4093-8E19-9AD7339689D2}" type="datetimeFigureOut">
               <a:rPr lang="zh-CN" altLang="en-US" smtClean="0"/>
-              <a:t>2017/12/1</a:t>
+              <a:t>2017/12/3</a:t>
             </a:fld>
             <a:endParaRPr lang="zh-CN" altLang="en-US"/>
           </a:p>
@@ -769,7 +770,7 @@
             <a:fld id="{96901A81-0F01-4EEE-B1B8-8AAFCC661EC4}" type="slidenum">
               <a:rPr lang="zh-CN" altLang="en-US" smtClean="0"/>
               <a:pPr/>
-              <a:t>34</a:t>
+              <a:t>35</a:t>
             </a:fld>
             <a:endParaRPr lang="zh-CN" altLang="en-US"/>
           </a:p>
@@ -2384,7 +2385,7 @@
             <a:fld id="{B35E7478-ADE7-4480-A214-01473DFE0029}" type="datetimeFigureOut">
               <a:rPr lang="zh-CN" altLang="en-US" smtClean="0"/>
               <a:pPr/>
-              <a:t>2017/12/1</a:t>
+              <a:t>2017/12/3</a:t>
             </a:fld>
             <a:endParaRPr lang="zh-CN" altLang="en-US"/>
           </a:p>
@@ -6249,7 +6250,7 @@
             <a:fld id="{B35E7478-ADE7-4480-A214-01473DFE0029}" type="datetimeFigureOut">
               <a:rPr lang="zh-CN" altLang="en-US" smtClean="0"/>
               <a:pPr/>
-              <a:t>2017/12/1</a:t>
+              <a:t>2017/12/3</a:t>
             </a:fld>
             <a:endParaRPr lang="zh-CN" altLang="en-US"/>
           </a:p>
@@ -7917,7 +7918,7 @@
             <a:fld id="{B35E7478-ADE7-4480-A214-01473DFE0029}" type="datetimeFigureOut">
               <a:rPr lang="zh-CN" altLang="en-US" smtClean="0"/>
               <a:pPr/>
-              <a:t>2017/12/1</a:t>
+              <a:t>2017/12/3</a:t>
             </a:fld>
             <a:endParaRPr lang="zh-CN" altLang="en-US"/>
           </a:p>
@@ -12221,7 +12222,7 @@
                 </a:solidFill>
               </a:rPr>
               <a:pPr/>
-              <a:t>2017/12/1</a:t>
+              <a:t>2017/12/3</a:t>
             </a:fld>
             <a:endParaRPr lang="zh-CN" altLang="en-US">
               <a:solidFill>
@@ -16139,7 +16140,7 @@
                 </a:solidFill>
               </a:rPr>
               <a:pPr/>
-              <a:t>2017/12/1</a:t>
+              <a:t>2017/12/3</a:t>
             </a:fld>
             <a:endParaRPr lang="zh-CN" altLang="en-US">
               <a:solidFill>
@@ -21990,7 +21991,7 @@
                 </a:solidFill>
               </a:rPr>
               <a:pPr/>
-              <a:t>2017/12/1</a:t>
+              <a:t>2017/12/3</a:t>
             </a:fld>
             <a:endParaRPr lang="zh-CN" altLang="en-US">
               <a:solidFill>
@@ -22580,7 +22581,7 @@
                 </a:solidFill>
               </a:rPr>
               <a:pPr/>
-              <a:t>2017/12/1</a:t>
+              <a:t>2017/12/3</a:t>
             </a:fld>
             <a:endParaRPr lang="zh-CN" altLang="en-US">
               <a:solidFill>
@@ -26284,7 +26285,7 @@
                 </a:solidFill>
               </a:rPr>
               <a:pPr/>
-              <a:t>2017/12/1</a:t>
+              <a:t>2017/12/3</a:t>
             </a:fld>
             <a:endParaRPr lang="zh-CN" altLang="en-US">
               <a:solidFill>
@@ -26418,7 +26419,7 @@
                 </a:solidFill>
               </a:rPr>
               <a:pPr/>
-              <a:t>2017/12/1</a:t>
+              <a:t>2017/12/3</a:t>
             </a:fld>
             <a:endParaRPr lang="zh-CN" altLang="en-US">
               <a:solidFill>
@@ -27247,7 +27248,7 @@
             <a:fld id="{B35E7478-ADE7-4480-A214-01473DFE0029}" type="datetimeFigureOut">
               <a:rPr lang="zh-CN" altLang="en-US" smtClean="0"/>
               <a:pPr/>
-              <a:t>2017/12/1</a:t>
+              <a:t>2017/12/3</a:t>
             </a:fld>
             <a:endParaRPr lang="zh-CN" altLang="en-US"/>
           </a:p>
@@ -32575,7 +32576,7 @@
             <a:fld id="{B35E7478-ADE7-4480-A214-01473DFE0029}" type="datetimeFigureOut">
               <a:rPr lang="zh-CN" altLang="en-US" smtClean="0"/>
               <a:pPr/>
-              <a:t>2017/12/1</a:t>
+              <a:t>2017/12/3</a:t>
             </a:fld>
             <a:endParaRPr lang="zh-CN" altLang="en-US"/>
           </a:p>
@@ -37929,7 +37930,7 @@
             <a:fld id="{B35E7478-ADE7-4480-A214-01473DFE0029}" type="datetimeFigureOut">
               <a:rPr lang="zh-CN" altLang="en-US" smtClean="0"/>
               <a:pPr/>
-              <a:t>2017/12/1</a:t>
+              <a:t>2017/12/3</a:t>
             </a:fld>
             <a:endParaRPr lang="zh-CN" altLang="en-US"/>
           </a:p>
@@ -38026,7 +38027,7 @@
             <a:fld id="{B35E7478-ADE7-4480-A214-01473DFE0029}" type="datetimeFigureOut">
               <a:rPr lang="zh-CN" altLang="en-US" smtClean="0"/>
               <a:pPr/>
-              <a:t>2017/12/1</a:t>
+              <a:t>2017/12/3</a:t>
             </a:fld>
             <a:endParaRPr lang="zh-CN" altLang="en-US"/>
           </a:p>
@@ -38312,7 +38313,7 @@
             <a:fld id="{B35E7478-ADE7-4480-A214-01473DFE0029}" type="datetimeFigureOut">
               <a:rPr lang="zh-CN" altLang="en-US" smtClean="0"/>
               <a:pPr/>
-              <a:t>2017/12/1</a:t>
+              <a:t>2017/12/3</a:t>
             </a:fld>
             <a:endParaRPr lang="zh-CN" altLang="en-US"/>
           </a:p>
@@ -38567,7 +38568,7 @@
             <a:fld id="{B35E7478-ADE7-4480-A214-01473DFE0029}" type="datetimeFigureOut">
               <a:rPr lang="zh-CN" altLang="en-US" smtClean="0"/>
               <a:pPr/>
-              <a:t>2017/12/1</a:t>
+              <a:t>2017/12/3</a:t>
             </a:fld>
             <a:endParaRPr lang="zh-CN" altLang="en-US"/>
           </a:p>
@@ -38739,7 +38740,7 @@
             <a:fld id="{B35E7478-ADE7-4480-A214-01473DFE0029}" type="datetimeFigureOut">
               <a:rPr lang="zh-CN" altLang="en-US" smtClean="0"/>
               <a:pPr/>
-              <a:t>2017/12/1</a:t>
+              <a:t>2017/12/3</a:t>
             </a:fld>
             <a:endParaRPr lang="zh-CN" altLang="en-US"/>
           </a:p>
@@ -38966,7 +38967,7 @@
             <a:fld id="{B35E7478-ADE7-4480-A214-01473DFE0029}" type="datetimeFigureOut">
               <a:rPr lang="zh-CN" altLang="en-US" smtClean="0"/>
               <a:pPr/>
-              <a:t>2017/12/1</a:t>
+              <a:t>2017/12/3</a:t>
             </a:fld>
             <a:endParaRPr lang="zh-CN" altLang="en-US"/>
           </a:p>
@@ -39502,7 +39503,7 @@
                 </a:solidFill>
               </a:rPr>
               <a:pPr/>
-              <a:t>2017/12/1</a:t>
+              <a:t>2017/12/3</a:t>
             </a:fld>
             <a:endParaRPr lang="zh-CN" altLang="en-US">
               <a:solidFill>
@@ -41437,6 +41438,46 @@
             <a:endParaRPr lang="en-US" altLang="zh-CN" dirty="0" smtClean="0"/>
           </a:p>
           <a:p>
+            <a:pPr lvl="1"/>
+            <a:r>
+              <a:rPr lang="zh-CN" altLang="en-US" smtClean="0"/>
+              <a:t>压缩工具</a:t>
+            </a:r>
+            <a:endParaRPr lang="en-US" altLang="zh-CN" dirty="0" smtClean="0"/>
+          </a:p>
+          <a:p>
+            <a:pPr lvl="1"/>
+            <a:r>
+              <a:rPr lang="zh-CN" altLang="en-US" dirty="0" smtClean="0"/>
+              <a:t>生成</a:t>
+            </a:r>
+            <a:r>
+              <a:rPr lang="en-US" altLang="zh-CN" dirty="0" smtClean="0"/>
+              <a:t>jar</a:t>
+            </a:r>
+            <a:r>
+              <a:rPr lang="zh-CN" altLang="en-US" dirty="0" smtClean="0"/>
+              <a:t>包，</a:t>
+            </a:r>
+            <a:r>
+              <a:rPr lang="en-US" altLang="zh-CN" dirty="0" smtClean="0"/>
+              <a:t>war</a:t>
+            </a:r>
+            <a:r>
+              <a:rPr lang="zh-CN" altLang="en-US" dirty="0" smtClean="0"/>
+              <a:t>包，</a:t>
+            </a:r>
+            <a:r>
+              <a:rPr lang="en-US" altLang="zh-CN" dirty="0" smtClean="0"/>
+              <a:t>ear</a:t>
+            </a:r>
+            <a:r>
+              <a:rPr lang="zh-CN" altLang="en-US" dirty="0" smtClean="0"/>
+              <a:t>包等</a:t>
+            </a:r>
+            <a:endParaRPr lang="en-US" altLang="zh-CN" dirty="0" smtClean="0"/>
+          </a:p>
+          <a:p>
             <a:endParaRPr lang="zh-CN" altLang="en-US" dirty="0"/>
           </a:p>
         </p:txBody>
@@ -44694,6 +44735,88 @@
 </file>
 
 <file path=ppt/slides/slide34.xml><?xml version="1.0" encoding="utf-8"?>
+<p:sld xmlns:a="http://schemas.openxmlformats.org/drawingml/2006/main" xmlns:r="http://schemas.openxmlformats.org/officeDocument/2006/relationships" xmlns:p="http://schemas.openxmlformats.org/presentationml/2006/main">
+  <p:cSld>
+    <p:spTree>
+      <p:nvGrpSpPr>
+        <p:cNvPr id="1" name=""/>
+        <p:cNvGrpSpPr/>
+        <p:nvPr/>
+      </p:nvGrpSpPr>
+      <p:grpSpPr>
+        <a:xfrm>
+          <a:off x="0" y="0"/>
+          <a:ext cx="0" cy="0"/>
+          <a:chOff x="0" y="0"/>
+          <a:chExt cx="0" cy="0"/>
+        </a:xfrm>
+      </p:grpSpPr>
+      <p:sp>
+        <p:nvSpPr>
+          <p:cNvPr id="2" name="标题 1"/>
+          <p:cNvSpPr>
+            <a:spLocks noGrp="1"/>
+          </p:cNvSpPr>
+          <p:nvPr>
+            <p:ph type="title"/>
+          </p:nvPr>
+        </p:nvSpPr>
+        <p:spPr/>
+        <p:txBody>
+          <a:bodyPr>
+            <a:normAutofit fontScale="90000"/>
+          </a:bodyPr>
+          <a:lstStyle/>
+          <a:p>
+            <a:r>
+              <a:rPr lang="en-US" altLang="zh-CN"/>
+              <a:t>m</a:t>
+            </a:r>
+            <a:r>
+              <a:rPr lang="en-US" altLang="zh-CN" smtClean="0"/>
+              <a:t>ain</a:t>
+            </a:r>
+            <a:r>
+              <a:rPr lang="en-US" altLang="zh-CN" dirty="0" smtClean="0"/>
+              <a:t>()</a:t>
+            </a:r>
+            <a:endParaRPr lang="zh-CN" altLang="en-US" dirty="0"/>
+          </a:p>
+        </p:txBody>
+      </p:sp>
+      <p:sp>
+        <p:nvSpPr>
+          <p:cNvPr id="3" name="内容占位符 2"/>
+          <p:cNvSpPr>
+            <a:spLocks noGrp="1"/>
+          </p:cNvSpPr>
+          <p:nvPr>
+            <p:ph idx="1"/>
+          </p:nvPr>
+        </p:nvSpPr>
+        <p:spPr/>
+        <p:txBody>
+          <a:bodyPr/>
+          <a:lstStyle/>
+          <a:p>
+            <a:endParaRPr lang="zh-CN" altLang="en-US"/>
+          </a:p>
+        </p:txBody>
+      </p:sp>
+    </p:spTree>
+    <p:extLst>
+      <p:ext uri="{BB962C8B-B14F-4D97-AF65-F5344CB8AC3E}">
+        <p14:creationId xmlns:p14="http://schemas.microsoft.com/office/powerpoint/2010/main" val="1576793410"/>
+      </p:ext>
+    </p:extLst>
+  </p:cSld>
+  <p:clrMapOvr>
+    <a:masterClrMapping/>
+  </p:clrMapOvr>
+</p:sld>
+</file>
+
+<file path=ppt/slides/slide35.xml><?xml version="1.0" encoding="utf-8"?>
 <p:sld xmlns:a="http://schemas.openxmlformats.org/drawingml/2006/main" xmlns:r="http://schemas.openxmlformats.org/officeDocument/2006/relationships" xmlns:p="http://schemas.openxmlformats.org/presentationml/2006/main">
   <p:cSld>
     <p:spTree>

--- a/java/docs/01-java-基础.pptx
+++ b/java/docs/01-java-基础.pptx
@@ -227,7 +227,7 @@
           <a:p>
             <a:fld id="{D6CB015B-B7FF-4093-8E19-9AD7339689D2}" type="datetimeFigureOut">
               <a:rPr lang="zh-CN" altLang="en-US" smtClean="0"/>
-              <a:t>2017/12/3</a:t>
+              <a:t>2017/12/4</a:t>
             </a:fld>
             <a:endParaRPr lang="zh-CN" altLang="en-US"/>
           </a:p>
@@ -2385,7 +2385,7 @@
             <a:fld id="{B35E7478-ADE7-4480-A214-01473DFE0029}" type="datetimeFigureOut">
               <a:rPr lang="zh-CN" altLang="en-US" smtClean="0"/>
               <a:pPr/>
-              <a:t>2017/12/3</a:t>
+              <a:t>2017/12/4</a:t>
             </a:fld>
             <a:endParaRPr lang="zh-CN" altLang="en-US"/>
           </a:p>
@@ -6250,7 +6250,7 @@
             <a:fld id="{B35E7478-ADE7-4480-A214-01473DFE0029}" type="datetimeFigureOut">
               <a:rPr lang="zh-CN" altLang="en-US" smtClean="0"/>
               <a:pPr/>
-              <a:t>2017/12/3</a:t>
+              <a:t>2017/12/4</a:t>
             </a:fld>
             <a:endParaRPr lang="zh-CN" altLang="en-US"/>
           </a:p>
@@ -7918,7 +7918,7 @@
             <a:fld id="{B35E7478-ADE7-4480-A214-01473DFE0029}" type="datetimeFigureOut">
               <a:rPr lang="zh-CN" altLang="en-US" smtClean="0"/>
               <a:pPr/>
-              <a:t>2017/12/3</a:t>
+              <a:t>2017/12/4</a:t>
             </a:fld>
             <a:endParaRPr lang="zh-CN" altLang="en-US"/>
           </a:p>
@@ -12222,7 +12222,7 @@
                 </a:solidFill>
               </a:rPr>
               <a:pPr/>
-              <a:t>2017/12/3</a:t>
+              <a:t>2017/12/4</a:t>
             </a:fld>
             <a:endParaRPr lang="zh-CN" altLang="en-US">
               <a:solidFill>
@@ -16140,7 +16140,7 @@
                 </a:solidFill>
               </a:rPr>
               <a:pPr/>
-              <a:t>2017/12/3</a:t>
+              <a:t>2017/12/4</a:t>
             </a:fld>
             <a:endParaRPr lang="zh-CN" altLang="en-US">
               <a:solidFill>
@@ -21991,7 +21991,7 @@
                 </a:solidFill>
               </a:rPr>
               <a:pPr/>
-              <a:t>2017/12/3</a:t>
+              <a:t>2017/12/4</a:t>
             </a:fld>
             <a:endParaRPr lang="zh-CN" altLang="en-US">
               <a:solidFill>
@@ -22581,7 +22581,7 @@
                 </a:solidFill>
               </a:rPr>
               <a:pPr/>
-              <a:t>2017/12/3</a:t>
+              <a:t>2017/12/4</a:t>
             </a:fld>
             <a:endParaRPr lang="zh-CN" altLang="en-US">
               <a:solidFill>
@@ -26285,7 +26285,7 @@
                 </a:solidFill>
               </a:rPr>
               <a:pPr/>
-              <a:t>2017/12/3</a:t>
+              <a:t>2017/12/4</a:t>
             </a:fld>
             <a:endParaRPr lang="zh-CN" altLang="en-US">
               <a:solidFill>
@@ -26419,7 +26419,7 @@
                 </a:solidFill>
               </a:rPr>
               <a:pPr/>
-              <a:t>2017/12/3</a:t>
+              <a:t>2017/12/4</a:t>
             </a:fld>
             <a:endParaRPr lang="zh-CN" altLang="en-US">
               <a:solidFill>
@@ -27248,7 +27248,7 @@
             <a:fld id="{B35E7478-ADE7-4480-A214-01473DFE0029}" type="datetimeFigureOut">
               <a:rPr lang="zh-CN" altLang="en-US" smtClean="0"/>
               <a:pPr/>
-              <a:t>2017/12/3</a:t>
+              <a:t>2017/12/4</a:t>
             </a:fld>
             <a:endParaRPr lang="zh-CN" altLang="en-US"/>
           </a:p>
@@ -32576,7 +32576,7 @@
             <a:fld id="{B35E7478-ADE7-4480-A214-01473DFE0029}" type="datetimeFigureOut">
               <a:rPr lang="zh-CN" altLang="en-US" smtClean="0"/>
               <a:pPr/>
-              <a:t>2017/12/3</a:t>
+              <a:t>2017/12/4</a:t>
             </a:fld>
             <a:endParaRPr lang="zh-CN" altLang="en-US"/>
           </a:p>
@@ -37930,7 +37930,7 @@
             <a:fld id="{B35E7478-ADE7-4480-A214-01473DFE0029}" type="datetimeFigureOut">
               <a:rPr lang="zh-CN" altLang="en-US" smtClean="0"/>
               <a:pPr/>
-              <a:t>2017/12/3</a:t>
+              <a:t>2017/12/4</a:t>
             </a:fld>
             <a:endParaRPr lang="zh-CN" altLang="en-US"/>
           </a:p>
@@ -38027,7 +38027,7 @@
             <a:fld id="{B35E7478-ADE7-4480-A214-01473DFE0029}" type="datetimeFigureOut">
               <a:rPr lang="zh-CN" altLang="en-US" smtClean="0"/>
               <a:pPr/>
-              <a:t>2017/12/3</a:t>
+              <a:t>2017/12/4</a:t>
             </a:fld>
             <a:endParaRPr lang="zh-CN" altLang="en-US"/>
           </a:p>
@@ -38313,7 +38313,7 @@
             <a:fld id="{B35E7478-ADE7-4480-A214-01473DFE0029}" type="datetimeFigureOut">
               <a:rPr lang="zh-CN" altLang="en-US" smtClean="0"/>
               <a:pPr/>
-              <a:t>2017/12/3</a:t>
+              <a:t>2017/12/4</a:t>
             </a:fld>
             <a:endParaRPr lang="zh-CN" altLang="en-US"/>
           </a:p>
@@ -38568,7 +38568,7 @@
             <a:fld id="{B35E7478-ADE7-4480-A214-01473DFE0029}" type="datetimeFigureOut">
               <a:rPr lang="zh-CN" altLang="en-US" smtClean="0"/>
               <a:pPr/>
-              <a:t>2017/12/3</a:t>
+              <a:t>2017/12/4</a:t>
             </a:fld>
             <a:endParaRPr lang="zh-CN" altLang="en-US"/>
           </a:p>
@@ -38740,7 +38740,7 @@
             <a:fld id="{B35E7478-ADE7-4480-A214-01473DFE0029}" type="datetimeFigureOut">
               <a:rPr lang="zh-CN" altLang="en-US" smtClean="0"/>
               <a:pPr/>
-              <a:t>2017/12/3</a:t>
+              <a:t>2017/12/4</a:t>
             </a:fld>
             <a:endParaRPr lang="zh-CN" altLang="en-US"/>
           </a:p>
@@ -38967,7 +38967,7 @@
             <a:fld id="{B35E7478-ADE7-4480-A214-01473DFE0029}" type="datetimeFigureOut">
               <a:rPr lang="zh-CN" altLang="en-US" smtClean="0"/>
               <a:pPr/>
-              <a:t>2017/12/3</a:t>
+              <a:t>2017/12/4</a:t>
             </a:fld>
             <a:endParaRPr lang="zh-CN" altLang="en-US"/>
           </a:p>
@@ -39503,7 +39503,7 @@
                 </a:solidFill>
               </a:rPr>
               <a:pPr/>
-              <a:t>2017/12/3</a:t>
+              <a:t>2017/12/4</a:t>
             </a:fld>
             <a:endParaRPr lang="zh-CN" altLang="en-US">
               <a:solidFill>
@@ -44601,8 +44601,13 @@
             </a:pPr>
             <a:r>
               <a:rPr lang="en-US" altLang="zh-CN" dirty="0"/>
-              <a:t>   { 1, 2},</a:t>
-            </a:r>
+              <a:t>   { 1, </a:t>
+            </a:r>
+            <a:r>
+              <a:rPr lang="en-US" altLang="zh-CN" dirty="0" smtClean="0"/>
+              <a:t>2, 5},</a:t>
+            </a:r>
+            <a:endParaRPr lang="en-US" altLang="zh-CN" dirty="0"/>
           </a:p>
           <a:p>
             <a:pPr marL="0" indent="0">
@@ -44610,8 +44615,17 @@
             </a:pPr>
             <a:r>
               <a:rPr lang="en-US" altLang="zh-CN" dirty="0"/>
-              <a:t>   { 3, 4}</a:t>
-            </a:r>
+              <a:t>   { 3</a:t>
+            </a:r>
+            <a:r>
+              <a:rPr lang="en-US" altLang="zh-CN"/>
+              <a:t>, </a:t>
+            </a:r>
+            <a:r>
+              <a:rPr lang="en-US" altLang="zh-CN" smtClean="0"/>
+              <a:t>4, 6}</a:t>
+            </a:r>
+            <a:endParaRPr lang="en-US" altLang="zh-CN" dirty="0"/>
           </a:p>
           <a:p>
             <a:pPr marL="0" indent="0">
